--- a/Team02.pptx
+++ b/Team02.pptx
@@ -117,7 +117,27 @@
       </a:defRPr>
     </a:lvl9pPr>
   </p:defaultTextStyle>
+  <p:extLst>
+    <p:ext uri="{EFAFB233-063F-42B5-8137-9DF3F51BA10A}">
+      <p15:sldGuideLst xmlns:p15="http://schemas.microsoft.com/office/powerpoint/2012/main">
+        <p15:guide id="1" orient="horz" pos="2160">
+          <p15:clr>
+            <a:srgbClr val="A4A3A4"/>
+          </p15:clr>
+        </p15:guide>
+        <p15:guide id="2" pos="2880">
+          <p15:clr>
+            <a:srgbClr val="A4A3A4"/>
+          </p15:clr>
+        </p15:guide>
+      </p15:sldGuideLst>
+    </p:ext>
+  </p:extLst>
 </p:presentation>
+</file>
+
+<file path=ppt/revisionInfo.xml><?xml version="1.0" encoding="utf-8"?>
+<p1510:revInfo xmlns:a="http://schemas.openxmlformats.org/drawingml/2006/main" xmlns:r="http://schemas.openxmlformats.org/officeDocument/2006/relationships" xmlns:p1510="http://schemas.microsoft.com/office/powerpoint/2015/10/main"/>
 </file>
 
 <file path=ppt/slideLayouts/slideLayout1.xml><?xml version="1.0" encoding="utf-8"?>
@@ -169,7 +189,7 @@
           </a:lstStyle>
           <a:p>
             <a:r>
-              <a:rPr lang="en-US" smtClean="0"/>
+              <a:rPr lang="en-US"/>
               <a:t>Click to edit Master title style</a:t>
             </a:r>
             <a:endParaRPr lang="en-US" dirty="0"/>
@@ -290,7 +310,7 @@
           </a:lstStyle>
           <a:p>
             <a:r>
-              <a:rPr lang="en-US" smtClean="0"/>
+              <a:rPr lang="en-US"/>
               <a:t>Click to edit Master subtitle style</a:t>
             </a:r>
             <a:endParaRPr lang="en-US" dirty="0"/>
@@ -314,7 +334,7 @@
           <a:p>
             <a:fld id="{1253BCFD-B8B8-4E2C-AA0F-EF7627DF1796}" type="datetimeFigureOut">
               <a:rPr lang="en-AU" smtClean="0"/>
-              <a:t>17/08/2017</a:t>
+              <a:t>18/08/2017</a:t>
             </a:fld>
             <a:endParaRPr lang="en-AU"/>
           </a:p>
@@ -403,10 +423,9 @@
           <a:lstStyle/>
           <a:p>
             <a:r>
-              <a:rPr lang="en-US" smtClean="0"/>
+              <a:rPr lang="en-US"/>
               <a:t>Click to edit Master title style</a:t>
             </a:r>
-            <a:endParaRPr lang="en-US"/>
           </a:p>
         </p:txBody>
       </p:sp>
@@ -427,38 +446,37 @@
           <a:p>
             <a:pPr lvl="0"/>
             <a:r>
-              <a:rPr lang="en-US" smtClean="0"/>
+              <a:rPr lang="en-US"/>
               <a:t>Click to edit Master text styles</a:t>
             </a:r>
           </a:p>
           <a:p>
             <a:pPr lvl="1"/>
             <a:r>
-              <a:rPr lang="en-US" smtClean="0"/>
+              <a:rPr lang="en-US"/>
               <a:t>Second level</a:t>
             </a:r>
           </a:p>
           <a:p>
             <a:pPr lvl="2"/>
             <a:r>
-              <a:rPr lang="en-US" smtClean="0"/>
+              <a:rPr lang="en-US"/>
               <a:t>Third level</a:t>
             </a:r>
           </a:p>
           <a:p>
             <a:pPr lvl="3"/>
             <a:r>
-              <a:rPr lang="en-US" smtClean="0"/>
+              <a:rPr lang="en-US"/>
               <a:t>Fourth level</a:t>
             </a:r>
           </a:p>
           <a:p>
             <a:pPr lvl="4"/>
             <a:r>
-              <a:rPr lang="en-US" smtClean="0"/>
+              <a:rPr lang="en-US"/>
               <a:t>Fifth level</a:t>
             </a:r>
-            <a:endParaRPr lang="en-US"/>
           </a:p>
         </p:txBody>
       </p:sp>
@@ -479,7 +497,7 @@
           <a:p>
             <a:fld id="{1253BCFD-B8B8-4E2C-AA0F-EF7627DF1796}" type="datetimeFigureOut">
               <a:rPr lang="en-AU" smtClean="0"/>
-              <a:t>17/08/2017</a:t>
+              <a:t>18/08/2017</a:t>
             </a:fld>
             <a:endParaRPr lang="en-AU"/>
           </a:p>
@@ -573,7 +591,7 @@
           <a:lstStyle/>
           <a:p>
             <a:r>
-              <a:rPr lang="en-US" smtClean="0"/>
+              <a:rPr lang="en-US"/>
               <a:t>Click to edit Master title style</a:t>
             </a:r>
             <a:endParaRPr lang="en-US" dirty="0"/>
@@ -602,38 +620,37 @@
           <a:p>
             <a:pPr lvl="0"/>
             <a:r>
-              <a:rPr lang="en-US" smtClean="0"/>
+              <a:rPr lang="en-US"/>
               <a:t>Click to edit Master text styles</a:t>
             </a:r>
           </a:p>
           <a:p>
             <a:pPr lvl="1"/>
             <a:r>
-              <a:rPr lang="en-US" smtClean="0"/>
+              <a:rPr lang="en-US"/>
               <a:t>Second level</a:t>
             </a:r>
           </a:p>
           <a:p>
             <a:pPr lvl="2"/>
             <a:r>
-              <a:rPr lang="en-US" smtClean="0"/>
+              <a:rPr lang="en-US"/>
               <a:t>Third level</a:t>
             </a:r>
           </a:p>
           <a:p>
             <a:pPr lvl="3"/>
             <a:r>
-              <a:rPr lang="en-US" smtClean="0"/>
+              <a:rPr lang="en-US"/>
               <a:t>Fourth level</a:t>
             </a:r>
           </a:p>
           <a:p>
             <a:pPr lvl="4"/>
             <a:r>
-              <a:rPr lang="en-US" smtClean="0"/>
+              <a:rPr lang="en-US"/>
               <a:t>Fifth level</a:t>
             </a:r>
-            <a:endParaRPr lang="en-US"/>
           </a:p>
         </p:txBody>
       </p:sp>
@@ -654,7 +671,7 @@
           <a:p>
             <a:fld id="{1253BCFD-B8B8-4E2C-AA0F-EF7627DF1796}" type="datetimeFigureOut">
               <a:rPr lang="en-AU" smtClean="0"/>
-              <a:t>17/08/2017</a:t>
+              <a:t>18/08/2017</a:t>
             </a:fld>
             <a:endParaRPr lang="en-AU"/>
           </a:p>
@@ -743,10 +760,9 @@
           <a:lstStyle/>
           <a:p>
             <a:r>
-              <a:rPr lang="en-US" smtClean="0"/>
+              <a:rPr lang="en-US"/>
               <a:t>Click to edit Master title style</a:t>
             </a:r>
-            <a:endParaRPr lang="en-US"/>
           </a:p>
         </p:txBody>
       </p:sp>
@@ -767,38 +783,37 @@
           <a:p>
             <a:pPr lvl="0"/>
             <a:r>
-              <a:rPr lang="en-US" smtClean="0"/>
+              <a:rPr lang="en-US"/>
               <a:t>Click to edit Master text styles</a:t>
             </a:r>
           </a:p>
           <a:p>
             <a:pPr lvl="1"/>
             <a:r>
-              <a:rPr lang="en-US" smtClean="0"/>
+              <a:rPr lang="en-US"/>
               <a:t>Second level</a:t>
             </a:r>
           </a:p>
           <a:p>
             <a:pPr lvl="2"/>
             <a:r>
-              <a:rPr lang="en-US" smtClean="0"/>
+              <a:rPr lang="en-US"/>
               <a:t>Third level</a:t>
             </a:r>
           </a:p>
           <a:p>
             <a:pPr lvl="3"/>
             <a:r>
-              <a:rPr lang="en-US" smtClean="0"/>
+              <a:rPr lang="en-US"/>
               <a:t>Fourth level</a:t>
             </a:r>
           </a:p>
           <a:p>
             <a:pPr lvl="4"/>
             <a:r>
-              <a:rPr lang="en-US" smtClean="0"/>
+              <a:rPr lang="en-US"/>
               <a:t>Fifth level</a:t>
             </a:r>
-            <a:endParaRPr lang="en-US"/>
           </a:p>
         </p:txBody>
       </p:sp>
@@ -819,7 +834,7 @@
           <a:p>
             <a:fld id="{1253BCFD-B8B8-4E2C-AA0F-EF7627DF1796}" type="datetimeFigureOut">
               <a:rPr lang="en-AU" smtClean="0"/>
-              <a:t>17/08/2017</a:t>
+              <a:t>18/08/2017</a:t>
             </a:fld>
             <a:endParaRPr lang="en-AU"/>
           </a:p>
@@ -917,7 +932,7 @@
           </a:lstStyle>
           <a:p>
             <a:r>
-              <a:rPr lang="en-US" smtClean="0"/>
+              <a:rPr lang="en-US"/>
               <a:t>Click to edit Master title style</a:t>
             </a:r>
             <a:endParaRPr lang="en-US" dirty="0"/>
@@ -1037,7 +1052,7 @@
           <a:p>
             <a:pPr lvl="0"/>
             <a:r>
-              <a:rPr lang="en-US" smtClean="0"/>
+              <a:rPr lang="en-US"/>
               <a:t>Click to edit Master text styles</a:t>
             </a:r>
           </a:p>
@@ -1060,7 +1075,7 @@
           <a:p>
             <a:fld id="{1253BCFD-B8B8-4E2C-AA0F-EF7627DF1796}" type="datetimeFigureOut">
               <a:rPr lang="en-AU" smtClean="0"/>
-              <a:t>17/08/2017</a:t>
+              <a:t>18/08/2017</a:t>
             </a:fld>
             <a:endParaRPr lang="en-AU"/>
           </a:p>
@@ -1149,10 +1164,9 @@
           <a:lstStyle/>
           <a:p>
             <a:r>
-              <a:rPr lang="en-US" smtClean="0"/>
+              <a:rPr lang="en-US"/>
               <a:t>Click to edit Master title style</a:t>
             </a:r>
-            <a:endParaRPr lang="en-US"/>
           </a:p>
         </p:txBody>
       </p:sp>
@@ -1206,35 +1220,35 @@
           <a:p>
             <a:pPr lvl="0"/>
             <a:r>
-              <a:rPr lang="en-US" smtClean="0"/>
+              <a:rPr lang="en-US"/>
               <a:t>Click to edit Master text styles</a:t>
             </a:r>
           </a:p>
           <a:p>
             <a:pPr lvl="1"/>
             <a:r>
-              <a:rPr lang="en-US" smtClean="0"/>
+              <a:rPr lang="en-US"/>
               <a:t>Second level</a:t>
             </a:r>
           </a:p>
           <a:p>
             <a:pPr lvl="2"/>
             <a:r>
-              <a:rPr lang="en-US" smtClean="0"/>
+              <a:rPr lang="en-US"/>
               <a:t>Third level</a:t>
             </a:r>
           </a:p>
           <a:p>
             <a:pPr lvl="3"/>
             <a:r>
-              <a:rPr lang="en-US" smtClean="0"/>
+              <a:rPr lang="en-US"/>
               <a:t>Fourth level</a:t>
             </a:r>
           </a:p>
           <a:p>
             <a:pPr lvl="4"/>
             <a:r>
-              <a:rPr lang="en-US" smtClean="0"/>
+              <a:rPr lang="en-US"/>
               <a:t>Fifth level</a:t>
             </a:r>
             <a:endParaRPr lang="en-US" dirty="0"/>
@@ -1291,35 +1305,35 @@
           <a:p>
             <a:pPr lvl="0"/>
             <a:r>
-              <a:rPr lang="en-US" smtClean="0"/>
+              <a:rPr lang="en-US"/>
               <a:t>Click to edit Master text styles</a:t>
             </a:r>
           </a:p>
           <a:p>
             <a:pPr lvl="1"/>
             <a:r>
-              <a:rPr lang="en-US" smtClean="0"/>
+              <a:rPr lang="en-US"/>
               <a:t>Second level</a:t>
             </a:r>
           </a:p>
           <a:p>
             <a:pPr lvl="2"/>
             <a:r>
-              <a:rPr lang="en-US" smtClean="0"/>
+              <a:rPr lang="en-US"/>
               <a:t>Third level</a:t>
             </a:r>
           </a:p>
           <a:p>
             <a:pPr lvl="3"/>
             <a:r>
-              <a:rPr lang="en-US" smtClean="0"/>
+              <a:rPr lang="en-US"/>
               <a:t>Fourth level</a:t>
             </a:r>
           </a:p>
           <a:p>
             <a:pPr lvl="4"/>
             <a:r>
-              <a:rPr lang="en-US" smtClean="0"/>
+              <a:rPr lang="en-US"/>
               <a:t>Fifth level</a:t>
             </a:r>
             <a:endParaRPr lang="en-US" dirty="0"/>
@@ -1343,7 +1357,7 @@
           <a:p>
             <a:fld id="{1253BCFD-B8B8-4E2C-AA0F-EF7627DF1796}" type="datetimeFigureOut">
               <a:rPr lang="en-AU" smtClean="0"/>
-              <a:t>17/08/2017</a:t>
+              <a:t>18/08/2017</a:t>
             </a:fld>
             <a:endParaRPr lang="en-AU"/>
           </a:p>
@@ -1436,10 +1450,9 @@
           </a:lstStyle>
           <a:p>
             <a:r>
-              <a:rPr lang="en-US" smtClean="0"/>
+              <a:rPr lang="en-US"/>
               <a:t>Click to edit Master title style</a:t>
             </a:r>
-            <a:endParaRPr lang="en-US"/>
           </a:p>
         </p:txBody>
       </p:sp>
@@ -1508,7 +1521,7 @@
           <a:p>
             <a:pPr lvl="0"/>
             <a:r>
-              <a:rPr lang="en-US" smtClean="0"/>
+              <a:rPr lang="en-US"/>
               <a:t>Click to edit Master text styles</a:t>
             </a:r>
           </a:p>
@@ -1564,35 +1577,35 @@
           <a:p>
             <a:pPr lvl="0"/>
             <a:r>
-              <a:rPr lang="en-US" smtClean="0"/>
+              <a:rPr lang="en-US"/>
               <a:t>Click to edit Master text styles</a:t>
             </a:r>
           </a:p>
           <a:p>
             <a:pPr lvl="1"/>
             <a:r>
-              <a:rPr lang="en-US" smtClean="0"/>
+              <a:rPr lang="en-US"/>
               <a:t>Second level</a:t>
             </a:r>
           </a:p>
           <a:p>
             <a:pPr lvl="2"/>
             <a:r>
-              <a:rPr lang="en-US" smtClean="0"/>
+              <a:rPr lang="en-US"/>
               <a:t>Third level</a:t>
             </a:r>
           </a:p>
           <a:p>
             <a:pPr lvl="3"/>
             <a:r>
-              <a:rPr lang="en-US" smtClean="0"/>
+              <a:rPr lang="en-US"/>
               <a:t>Fourth level</a:t>
             </a:r>
           </a:p>
           <a:p>
             <a:pPr lvl="4"/>
             <a:r>
-              <a:rPr lang="en-US" smtClean="0"/>
+              <a:rPr lang="en-US"/>
               <a:t>Fifth level</a:t>
             </a:r>
             <a:endParaRPr lang="en-US" dirty="0"/>
@@ -1664,7 +1677,7 @@
           <a:p>
             <a:pPr lvl="0"/>
             <a:r>
-              <a:rPr lang="en-US" smtClean="0"/>
+              <a:rPr lang="en-US"/>
               <a:t>Click to edit Master text styles</a:t>
             </a:r>
           </a:p>
@@ -1720,38 +1733,37 @@
           <a:p>
             <a:pPr lvl="0"/>
             <a:r>
-              <a:rPr lang="en-US" smtClean="0"/>
+              <a:rPr lang="en-US"/>
               <a:t>Click to edit Master text styles</a:t>
             </a:r>
           </a:p>
           <a:p>
             <a:pPr lvl="1"/>
             <a:r>
-              <a:rPr lang="en-US" smtClean="0"/>
+              <a:rPr lang="en-US"/>
               <a:t>Second level</a:t>
             </a:r>
           </a:p>
           <a:p>
             <a:pPr lvl="2"/>
             <a:r>
-              <a:rPr lang="en-US" smtClean="0"/>
+              <a:rPr lang="en-US"/>
               <a:t>Third level</a:t>
             </a:r>
           </a:p>
           <a:p>
             <a:pPr lvl="3"/>
             <a:r>
-              <a:rPr lang="en-US" smtClean="0"/>
+              <a:rPr lang="en-US"/>
               <a:t>Fourth level</a:t>
             </a:r>
           </a:p>
           <a:p>
             <a:pPr lvl="4"/>
             <a:r>
-              <a:rPr lang="en-US" smtClean="0"/>
+              <a:rPr lang="en-US"/>
               <a:t>Fifth level</a:t>
             </a:r>
-            <a:endParaRPr lang="en-US"/>
           </a:p>
         </p:txBody>
       </p:sp>
@@ -1772,7 +1784,7 @@
           <a:p>
             <a:fld id="{1253BCFD-B8B8-4E2C-AA0F-EF7627DF1796}" type="datetimeFigureOut">
               <a:rPr lang="en-AU" smtClean="0"/>
-              <a:t>17/08/2017</a:t>
+              <a:t>18/08/2017</a:t>
             </a:fld>
             <a:endParaRPr lang="en-AU"/>
           </a:p>
@@ -1861,10 +1873,9 @@
           <a:lstStyle/>
           <a:p>
             <a:r>
-              <a:rPr lang="en-US" smtClean="0"/>
+              <a:rPr lang="en-US"/>
               <a:t>Click to edit Master title style</a:t>
             </a:r>
-            <a:endParaRPr lang="en-US"/>
           </a:p>
         </p:txBody>
       </p:sp>
@@ -1885,7 +1896,7 @@
           <a:p>
             <a:fld id="{1253BCFD-B8B8-4E2C-AA0F-EF7627DF1796}" type="datetimeFigureOut">
               <a:rPr lang="en-AU" smtClean="0"/>
-              <a:t>17/08/2017</a:t>
+              <a:t>18/08/2017</a:t>
             </a:fld>
             <a:endParaRPr lang="en-AU"/>
           </a:p>
@@ -1975,7 +1986,7 @@
           <a:p>
             <a:fld id="{1253BCFD-B8B8-4E2C-AA0F-EF7627DF1796}" type="datetimeFigureOut">
               <a:rPr lang="en-AU" smtClean="0"/>
-              <a:t>17/08/2017</a:t>
+              <a:t>18/08/2017</a:t>
             </a:fld>
             <a:endParaRPr lang="en-AU"/>
           </a:p>
@@ -2073,7 +2084,7 @@
           </a:lstStyle>
           <a:p>
             <a:r>
-              <a:rPr lang="en-US" smtClean="0"/>
+              <a:rPr lang="en-US"/>
               <a:t>Click to edit Master title style</a:t>
             </a:r>
             <a:endParaRPr lang="en-US" dirty="0"/>
@@ -2141,7 +2152,7 @@
           <a:p>
             <a:pPr lvl="0"/>
             <a:r>
-              <a:rPr lang="en-US" smtClean="0"/>
+              <a:rPr lang="en-US"/>
               <a:t>Click to edit Master text styles</a:t>
             </a:r>
           </a:p>
@@ -2164,7 +2175,7 @@
           <a:p>
             <a:fld id="{1253BCFD-B8B8-4E2C-AA0F-EF7627DF1796}" type="datetimeFigureOut">
               <a:rPr lang="en-AU" smtClean="0"/>
-              <a:t>17/08/2017</a:t>
+              <a:t>18/08/2017</a:t>
             </a:fld>
             <a:endParaRPr lang="en-AU"/>
           </a:p>
@@ -2234,38 +2245,37 @@
           <a:p>
             <a:pPr lvl="0"/>
             <a:r>
-              <a:rPr lang="en-US" smtClean="0"/>
+              <a:rPr lang="en-US"/>
               <a:t>Click to edit Master text styles</a:t>
             </a:r>
           </a:p>
           <a:p>
             <a:pPr lvl="1"/>
             <a:r>
-              <a:rPr lang="en-US" smtClean="0"/>
+              <a:rPr lang="en-US"/>
               <a:t>Second level</a:t>
             </a:r>
           </a:p>
           <a:p>
             <a:pPr lvl="2"/>
             <a:r>
-              <a:rPr lang="en-US" smtClean="0"/>
+              <a:rPr lang="en-US"/>
               <a:t>Third level</a:t>
             </a:r>
           </a:p>
           <a:p>
             <a:pPr lvl="3"/>
             <a:r>
-              <a:rPr lang="en-US" smtClean="0"/>
+              <a:rPr lang="en-US"/>
               <a:t>Fourth level</a:t>
             </a:r>
           </a:p>
           <a:p>
             <a:pPr lvl="4"/>
             <a:r>
-              <a:rPr lang="en-US" smtClean="0"/>
+              <a:rPr lang="en-US"/>
               <a:t>Fifth level</a:t>
             </a:r>
-            <a:endParaRPr lang="en-US"/>
           </a:p>
         </p:txBody>
       </p:sp>
@@ -2326,7 +2336,7 @@
           </a:lstStyle>
           <a:p>
             <a:r>
-              <a:rPr lang="en-US" smtClean="0"/>
+              <a:rPr lang="en-US"/>
               <a:t>Click to edit Master title style</a:t>
             </a:r>
             <a:endParaRPr lang="en-US" dirty="0"/>
@@ -2391,7 +2401,7 @@
           </a:lstStyle>
           <a:p>
             <a:r>
-              <a:rPr lang="en-US" smtClean="0"/>
+              <a:rPr lang="en-US"/>
               <a:t>Click icon to add picture</a:t>
             </a:r>
             <a:endParaRPr lang="en-US" dirty="0"/>
@@ -2459,7 +2469,7 @@
           <a:p>
             <a:pPr lvl="0"/>
             <a:r>
-              <a:rPr lang="en-US" smtClean="0"/>
+              <a:rPr lang="en-US"/>
               <a:t>Click to edit Master text styles</a:t>
             </a:r>
           </a:p>
@@ -2482,7 +2492,7 @@
           <a:p>
             <a:fld id="{1253BCFD-B8B8-4E2C-AA0F-EF7627DF1796}" type="datetimeFigureOut">
               <a:rPr lang="en-AU" smtClean="0"/>
-              <a:t>17/08/2017</a:t>
+              <a:t>18/08/2017</a:t>
             </a:fld>
             <a:endParaRPr lang="en-AU"/>
           </a:p>
@@ -2586,7 +2596,7 @@
           <a:lstStyle/>
           <a:p>
             <a:r>
-              <a:rPr lang="en-US" smtClean="0"/>
+              <a:rPr lang="en-US"/>
               <a:t>Click to edit Master title style</a:t>
             </a:r>
             <a:endParaRPr lang="en-US" dirty="0"/>
@@ -2620,35 +2630,35 @@
           <a:p>
             <a:pPr lvl="0"/>
             <a:r>
-              <a:rPr lang="en-US" smtClean="0"/>
+              <a:rPr lang="en-US"/>
               <a:t>Click to edit Master text styles</a:t>
             </a:r>
           </a:p>
           <a:p>
             <a:pPr lvl="1"/>
             <a:r>
-              <a:rPr lang="en-US" smtClean="0"/>
+              <a:rPr lang="en-US"/>
               <a:t>Second level</a:t>
             </a:r>
           </a:p>
           <a:p>
             <a:pPr lvl="2"/>
             <a:r>
-              <a:rPr lang="en-US" smtClean="0"/>
+              <a:rPr lang="en-US"/>
               <a:t>Third level</a:t>
             </a:r>
           </a:p>
           <a:p>
             <a:pPr lvl="3"/>
             <a:r>
-              <a:rPr lang="en-US" smtClean="0"/>
+              <a:rPr lang="en-US"/>
               <a:t>Fourth level</a:t>
             </a:r>
           </a:p>
           <a:p>
             <a:pPr lvl="4"/>
             <a:r>
-              <a:rPr lang="en-US" smtClean="0"/>
+              <a:rPr lang="en-US"/>
               <a:t>Fifth level</a:t>
             </a:r>
             <a:endParaRPr lang="en-US" dirty="0"/>
@@ -2861,7 +2871,7 @@
           <a:p>
             <a:fld id="{1253BCFD-B8B8-4E2C-AA0F-EF7627DF1796}" type="datetimeFigureOut">
               <a:rPr lang="en-AU" smtClean="0"/>
-              <a:t>17/08/2017</a:t>
+              <a:t>18/08/2017</a:t>
             </a:fld>
             <a:endParaRPr lang="en-AU"/>
           </a:p>
@@ -3186,25 +3196,6 @@
       </p:grpSpPr>
       <p:sp>
         <p:nvSpPr>
-          <p:cNvPr id="2" name="Title 1"/>
-          <p:cNvSpPr>
-            <a:spLocks noGrp="1"/>
-          </p:cNvSpPr>
-          <p:nvPr>
-            <p:ph type="ctrTitle"/>
-          </p:nvPr>
-        </p:nvSpPr>
-        <p:spPr/>
-        <p:txBody>
-          <a:bodyPr/>
-          <a:lstStyle/>
-          <a:p>
-            <a:endParaRPr lang="en-AU" dirty="0"/>
-          </a:p>
-        </p:txBody>
-      </p:sp>
-      <p:sp>
-        <p:nvSpPr>
           <p:cNvPr id="3" name="Subtitle 2"/>
           <p:cNvSpPr>
             <a:spLocks noGrp="1"/>
@@ -3234,7 +3225,7 @@
                   </a:schemeClr>
                 </a:solidFill>
               </a:rPr>
-              <a:t>RENTAL PROPERTY RESPONSIVE WEBSITE</a:t>
+              <a:t>XDSY RENTAL PROPERTY RESPONSIVE WEBSITE</a:t>
             </a:r>
           </a:p>
           <a:p>
@@ -3367,10 +3358,9 @@
           <a:lstStyle/>
           <a:p>
             <a:r>
-              <a:rPr lang="en-AU" dirty="0" smtClean="0"/>
+              <a:rPr lang="en-AU" dirty="0"/>
               <a:t>SITE DIAGRAM/BLUEPRINT</a:t>
             </a:r>
-            <a:endParaRPr lang="en-AU" dirty="0"/>
           </a:p>
         </p:txBody>
       </p:sp>
@@ -3460,10 +3450,9 @@
           <a:lstStyle/>
           <a:p>
             <a:r>
-              <a:rPr lang="en-AU" dirty="0" smtClean="0"/>
+              <a:rPr lang="en-AU" dirty="0"/>
               <a:t>DATA REQUIREMENTS</a:t>
             </a:r>
-            <a:endParaRPr lang="en-AU" dirty="0"/>
           </a:p>
         </p:txBody>
       </p:sp>
@@ -3486,16 +3475,8 @@
               <a:buNone/>
             </a:pPr>
             <a:r>
-              <a:rPr lang="en-GB" sz="2400" dirty="0" smtClean="0"/>
-              <a:t>Rental </a:t>
-            </a:r>
-            <a:r>
               <a:rPr lang="en-GB" sz="2400" dirty="0"/>
-              <a:t>Property </a:t>
-            </a:r>
-            <a:r>
-              <a:rPr lang="en-GB" sz="2400" dirty="0" smtClean="0"/>
-              <a:t>/Home Stay Information</a:t>
+              <a:t>Rental Property /Home Stay Information</a:t>
             </a:r>
             <a:endParaRPr lang="en-AU" sz="2800" dirty="0"/>
           </a:p>
@@ -3519,7 +3500,15 @@
             <a:pPr lvl="2"/>
             <a:r>
               <a:rPr lang="en-GB" dirty="0"/>
-              <a:t>Type pf property</a:t>
+              <a:t>Type </a:t>
+            </a:r>
+            <a:r>
+              <a:rPr lang="en-GB" dirty="0" smtClean="0"/>
+              <a:t>of </a:t>
+            </a:r>
+            <a:r>
+              <a:rPr lang="en-GB" dirty="0"/>
+              <a:t>property</a:t>
             </a:r>
             <a:endParaRPr lang="en-AU" sz="2000" dirty="0"/>
           </a:p>
@@ -3545,7 +3534,6 @@
               <a:rPr lang="en-GB" dirty="0"/>
               <a:t>Details- Amenities </a:t>
             </a:r>
-            <a:endParaRPr lang="en-GB" dirty="0" smtClean="0"/>
           </a:p>
           <a:p>
             <a:pPr lvl="2"/>
@@ -3657,32 +3645,59 @@
           <a:p>
             <a:pPr algn="ctr"/>
             <a:r>
-              <a:rPr lang="en-AU" dirty="0" smtClean="0"/>
+              <a:rPr lang="en-AU" dirty="0"/>
               <a:t>ABSTRACT VISUAL REPRESENTATION</a:t>
             </a:r>
-            <a:endParaRPr lang="en-AU" dirty="0"/>
-          </a:p>
-        </p:txBody>
-      </p:sp>
-      <p:sp>
-        <p:nvSpPr>
-          <p:cNvPr id="3" name="Content Placeholder 2"/>
-          <p:cNvSpPr>
-            <a:spLocks noGrp="1"/>
-          </p:cNvSpPr>
+          </a:p>
+        </p:txBody>
+      </p:sp>
+      <p:pic>
+        <p:nvPicPr>
+          <p:cNvPr id="1026" name="Picture 2" descr="https://raw.githubusercontent.com/jc444921/ProjectFirstStage/master/homepage%20pic.gif">
+            <a:extLst>
+              <a:ext uri="{FF2B5EF4-FFF2-40B4-BE49-F238E27FC236}">
+                <a16:creationId xmlns="" xmlns:a16="http://schemas.microsoft.com/office/drawing/2014/main" id="{D9ADC160-3D7B-443F-92AA-40E0A96A7A28}"/>
+              </a:ext>
+            </a:extLst>
+          </p:cNvPr>
+          <p:cNvPicPr>
+            <a:picLocks noGrp="1" noChangeAspect="1" noChangeArrowheads="1"/>
+          </p:cNvPicPr>
           <p:nvPr>
             <p:ph idx="1"/>
           </p:nvPr>
-        </p:nvSpPr>
-        <p:spPr/>
-        <p:txBody>
-          <a:bodyPr/>
-          <a:lstStyle/>
-          <a:p>
-            <a:endParaRPr lang="en-AU" dirty="0"/>
-          </a:p>
-        </p:txBody>
-      </p:sp>
+        </p:nvPicPr>
+        <p:blipFill rotWithShape="1">
+          <a:blip r:embed="rId2" cstate="print">
+            <a:extLst>
+              <a:ext uri="{28A0092B-C50C-407E-A947-70E740481C1C}">
+                <a14:useLocalDpi xmlns:a14="http://schemas.microsoft.com/office/drawing/2010/main" val="0"/>
+              </a:ext>
+            </a:extLst>
+          </a:blip>
+          <a:srcRect l="-136" t="3992" r="136" b="226"/>
+          <a:stretch/>
+        </p:blipFill>
+        <p:spPr bwMode="auto">
+          <a:xfrm>
+            <a:off x="457200" y="2348880"/>
+            <a:ext cx="7620000" cy="3455416"/>
+          </a:xfrm>
+          <a:prstGeom prst="rect">
+            <a:avLst/>
+          </a:prstGeom>
+          <a:noFill/>
+          <a:extLst>
+            <a:ext uri="{909E8E84-426E-40DD-AFC4-6F175D3DCCD1}">
+              <a14:hiddenFill xmlns:a14="http://schemas.microsoft.com/office/drawing/2010/main">
+                <a:solidFill>
+                  <a:srgbClr val="FFFFFF"/>
+                </a:solidFill>
+              </a14:hiddenFill>
+            </a:ext>
+          </a:extLst>
+        </p:spPr>
+      </p:pic>
     </p:spTree>
     <p:extLst>
       <p:ext uri="{BB962C8B-B14F-4D97-AF65-F5344CB8AC3E}">
@@ -3736,10 +3751,9 @@
           <a:lstStyle/>
           <a:p>
             <a:r>
-              <a:rPr lang="en-AU" dirty="0" smtClean="0"/>
+              <a:rPr lang="en-AU" dirty="0"/>
               <a:t>RESPONSIBILITIES</a:t>
             </a:r>
-            <a:endParaRPr lang="en-AU" dirty="0"/>
           </a:p>
         </p:txBody>
       </p:sp>
@@ -3759,7 +3773,7 @@
           <a:lstStyle/>
           <a:p>
             <a:r>
-              <a:rPr lang="en-AU" dirty="0" smtClean="0"/>
+              <a:rPr lang="en-AU" dirty="0"/>
               <a:t>STRENGTHS</a:t>
             </a:r>
           </a:p>
@@ -3771,11 +3785,7 @@
             </a:r>
             <a:r>
               <a:rPr lang="en-GB" dirty="0"/>
-              <a:t> Well versed about software tools for web </a:t>
-            </a:r>
-            <a:r>
-              <a:rPr lang="en-GB" dirty="0" smtClean="0"/>
-              <a:t>development, focused and motivated.</a:t>
+              <a:t> Well versed about software tools for web development, focused and motivated.</a:t>
             </a:r>
           </a:p>
           <a:p>
@@ -3794,11 +3804,7 @@
             </a:r>
             <a:r>
               <a:rPr lang="en-GB" dirty="0"/>
-              <a:t>- Punctual and meets </a:t>
-            </a:r>
-            <a:r>
-              <a:rPr lang="en-GB" dirty="0" smtClean="0"/>
-              <a:t>deadlines, previous experience in web designing. Organized and structured</a:t>
+              <a:t>- Punctual and meets deadlines, previous experience in web designing. Organized and structured</a:t>
             </a:r>
           </a:p>
           <a:p>
@@ -3813,14 +3819,10 @@
             </a:r>
             <a:r>
               <a:rPr lang="en-GB" dirty="0"/>
-              <a:t>- Experienced in creating a website himself with a similar </a:t>
-            </a:r>
-            <a:r>
-              <a:rPr lang="en-GB" dirty="0" smtClean="0"/>
-              <a:t>structure. Creative </a:t>
-            </a:r>
-            <a:r>
-              <a:rPr lang="en-AU" dirty="0" smtClean="0"/>
+              <a:t>- Experienced in creating a website himself with a similar structure. Creative </a:t>
+            </a:r>
+            <a:r>
+              <a:rPr lang="en-AU" dirty="0"/>
               <a:t>in nature.</a:t>
             </a:r>
           </a:p>
@@ -3831,15 +3833,15 @@
           <a:p>
             <a:pPr lvl="1"/>
             <a:r>
-              <a:rPr lang="en-AU" b="1" dirty="0" err="1" smtClean="0"/>
+              <a:rPr lang="en-AU" b="1" dirty="0" err="1"/>
               <a:t>Shemal</a:t>
             </a:r>
             <a:r>
-              <a:rPr lang="en-AU" b="1" dirty="0" smtClean="0"/>
+              <a:rPr lang="en-AU" b="1" dirty="0"/>
               <a:t>-</a:t>
             </a:r>
             <a:r>
-              <a:rPr lang="en-AU" dirty="0" smtClean="0"/>
+              <a:rPr lang="en-AU" dirty="0"/>
               <a:t> Creative and has previous experience in web designing, motivated and a great team player.</a:t>
             </a:r>
           </a:p>
@@ -3907,6 +3909,10 @@
           <a:bodyPr/>
           <a:lstStyle/>
           <a:p>
+            <a:r>
+              <a:rPr lang="en-AU" dirty="0" smtClean="0"/>
+              <a:t>PROJECT PLAN</a:t>
+            </a:r>
             <a:endParaRPr lang="en-AU" dirty="0"/>
           </a:p>
         </p:txBody>
@@ -4037,10 +4043,9 @@
           <a:lstStyle/>
           <a:p>
             <a:r>
-              <a:rPr lang="en-AU" dirty="0" smtClean="0"/>
+              <a:rPr lang="en-AU" dirty="0"/>
               <a:t>TEAM MEMBERS</a:t>
             </a:r>
-            <a:endParaRPr lang="en-AU" dirty="0"/>
           </a:p>
         </p:txBody>
       </p:sp>
@@ -4063,32 +4068,32 @@
               <a:buNone/>
             </a:pPr>
             <a:r>
-              <a:rPr lang="en-GB" dirty="0" smtClean="0"/>
+              <a:rPr lang="en-GB" dirty="0"/>
               <a:t>TEAM NAME- </a:t>
             </a:r>
             <a:r>
               <a:rPr lang="en-AU" b="1" u="sng" dirty="0"/>
               <a:t>Team02jul17</a:t>
             </a:r>
-            <a:endParaRPr lang="en-GB" dirty="0" smtClean="0"/>
-          </a:p>
-          <a:p>
             <a:endParaRPr lang="en-GB" dirty="0"/>
           </a:p>
           <a:p>
-            <a:r>
-              <a:rPr lang="en-GB" dirty="0" err="1" smtClean="0"/>
+            <a:endParaRPr lang="en-GB" dirty="0"/>
+          </a:p>
+          <a:p>
+            <a:r>
+              <a:rPr lang="en-GB" dirty="0" err="1"/>
               <a:t>Xiting</a:t>
             </a:r>
             <a:r>
-              <a:rPr lang="en-GB" dirty="0" smtClean="0"/>
+              <a:rPr lang="en-GB" dirty="0"/>
               <a:t> </a:t>
             </a:r>
             <a:r>
-              <a:rPr lang="en-GB" dirty="0" err="1" smtClean="0"/>
+              <a:rPr lang="en-GB" dirty="0" err="1"/>
               <a:t>Jia</a:t>
             </a:r>
-            <a:endParaRPr lang="en-GB" dirty="0" smtClean="0"/>
+            <a:endParaRPr lang="en-GB" dirty="0"/>
           </a:p>
           <a:p>
             <a:endParaRPr lang="en-AU" dirty="0"/>
@@ -4099,10 +4104,10 @@
               <a:t>Yu </a:t>
             </a:r>
             <a:r>
-              <a:rPr lang="en-GB" dirty="0" err="1" smtClean="0"/>
+              <a:rPr lang="en-GB" dirty="0" err="1"/>
               <a:t>liu</a:t>
             </a:r>
-            <a:endParaRPr lang="en-GB" dirty="0" smtClean="0"/>
+            <a:endParaRPr lang="en-GB" dirty="0"/>
           </a:p>
           <a:p>
             <a:endParaRPr lang="en-AU" dirty="0"/>
@@ -4117,10 +4122,10 @@
               <a:t> </a:t>
             </a:r>
             <a:r>
-              <a:rPr lang="en-GB" dirty="0" err="1" smtClean="0"/>
+              <a:rPr lang="en-GB" dirty="0" err="1"/>
               <a:t>Vithanage</a:t>
             </a:r>
-            <a:endParaRPr lang="en-GB" dirty="0" smtClean="0"/>
+            <a:endParaRPr lang="en-GB" dirty="0"/>
           </a:p>
           <a:p>
             <a:endParaRPr lang="en-AU" dirty="0"/>
@@ -4194,7 +4199,7 @@
           <a:lstStyle/>
           <a:p>
             <a:r>
-              <a:rPr lang="en-GB" dirty="0" smtClean="0"/>
+              <a:rPr lang="en-GB" dirty="0"/>
               <a:t>PROJECT TITLE</a:t>
             </a:r>
             <a:endParaRPr lang="en-AU" dirty="0"/>
@@ -4221,23 +4226,7 @@
             </a:pPr>
             <a:r>
               <a:rPr lang="en-GB" b="1" u="sng" dirty="0"/>
-              <a:t>Rental Property </a:t>
-            </a:r>
-            <a:r>
-              <a:rPr lang="en-GB" b="1" u="sng" dirty="0"/>
-              <a:t>L</a:t>
-            </a:r>
-            <a:r>
-              <a:rPr lang="en-GB" b="1" u="sng" dirty="0" smtClean="0"/>
-              <a:t>istings </a:t>
-            </a:r>
-            <a:r>
-              <a:rPr lang="en-GB" b="1" u="sng" dirty="0"/>
-              <a:t>W</a:t>
-            </a:r>
-            <a:r>
-              <a:rPr lang="en-GB" b="1" u="sng" dirty="0" smtClean="0"/>
-              <a:t>ebsite</a:t>
+              <a:t>Rental Property Listings Website</a:t>
             </a:r>
             <a:endParaRPr lang="en-AU" dirty="0"/>
           </a:p>
@@ -4246,16 +4235,8 @@
           </a:p>
           <a:p>
             <a:r>
-              <a:rPr lang="en-GB" dirty="0" smtClean="0"/>
-              <a:t>Focus </a:t>
-            </a:r>
-            <a:r>
-              <a:rPr lang="en-GB" dirty="0"/>
-              <a:t>on designing a website for rental property </a:t>
-            </a:r>
-            <a:r>
-              <a:rPr lang="en-GB" dirty="0" smtClean="0"/>
-              <a:t>listings mainly for students</a:t>
+              <a:rPr lang="en-GB" dirty="0"/>
+              <a:t>Focus on designing a website for rental property listings mainly for students</a:t>
             </a:r>
           </a:p>
           <a:p>
@@ -4263,16 +4244,8 @@
           </a:p>
           <a:p>
             <a:r>
-              <a:rPr lang="en-GB" dirty="0" smtClean="0"/>
-              <a:t>Enables users to </a:t>
-            </a:r>
-            <a:r>
-              <a:rPr lang="en-GB" dirty="0"/>
-              <a:t>find houses, flats and apartments for </a:t>
-            </a:r>
-            <a:r>
-              <a:rPr lang="en-GB" dirty="0" smtClean="0"/>
-              <a:t>lease with ease</a:t>
+              <a:rPr lang="en-GB" dirty="0"/>
+              <a:t>Enables users to find houses, flats and apartments for lease with ease</a:t>
             </a:r>
           </a:p>
           <a:p>
@@ -4280,7 +4253,7 @@
           </a:p>
           <a:p>
             <a:r>
-              <a:rPr lang="en-GB" dirty="0" smtClean="0"/>
+              <a:rPr lang="en-GB" dirty="0"/>
               <a:t>On the go on mobile, tablets or even on desktop with the responsive design</a:t>
             </a:r>
           </a:p>
@@ -4348,10 +4321,9 @@
           <a:lstStyle/>
           <a:p>
             <a:r>
-              <a:rPr lang="en-AU" dirty="0" smtClean="0"/>
+              <a:rPr lang="en-AU" dirty="0"/>
               <a:t>GOALS OR OBJECTIVES</a:t>
             </a:r>
-            <a:endParaRPr lang="en-AU" dirty="0"/>
           </a:p>
         </p:txBody>
       </p:sp>
@@ -4373,65 +4345,29 @@
             <a:pPr lvl="0"/>
             <a:r>
               <a:rPr lang="en-GB" dirty="0"/>
-              <a:t>D</a:t>
-            </a:r>
-            <a:r>
-              <a:rPr lang="en-GB" dirty="0" smtClean="0"/>
-              <a:t>evelop </a:t>
-            </a:r>
-            <a:r>
-              <a:rPr lang="en-GB" dirty="0"/>
-              <a:t>a responsive </a:t>
-            </a:r>
-            <a:r>
-              <a:rPr lang="en-GB" dirty="0" smtClean="0"/>
-              <a:t>user </a:t>
-            </a:r>
-            <a:r>
-              <a:rPr lang="en-GB" dirty="0"/>
-              <a:t>friendly </a:t>
-            </a:r>
-            <a:r>
-              <a:rPr lang="en-GB" dirty="0" smtClean="0"/>
-              <a:t>website</a:t>
+              <a:t>Develop a responsive user friendly website</a:t>
             </a:r>
           </a:p>
           <a:p>
             <a:pPr lvl="0"/>
-            <a:endParaRPr lang="en-GB" dirty="0" smtClean="0"/>
+            <a:endParaRPr lang="en-GB" dirty="0"/>
           </a:p>
           <a:p>
             <a:pPr lvl="0"/>
             <a:r>
-              <a:rPr lang="en-GB" dirty="0" smtClean="0"/>
-              <a:t>Provide easily viewable mechanism </a:t>
-            </a:r>
-            <a:r>
-              <a:rPr lang="en-GB" dirty="0"/>
-              <a:t>for displaying and finding rental accommodation for </a:t>
-            </a:r>
-            <a:r>
-              <a:rPr lang="en-GB" dirty="0" smtClean="0"/>
-              <a:t>students</a:t>
+              <a:rPr lang="en-GB" dirty="0"/>
+              <a:t>Provide easily viewable mechanism for displaying and finding rental accommodation for students</a:t>
             </a:r>
           </a:p>
           <a:p>
             <a:pPr lvl="0"/>
-            <a:endParaRPr lang="en-GB" dirty="0" smtClean="0"/>
+            <a:endParaRPr lang="en-GB" dirty="0"/>
           </a:p>
           <a:p>
             <a:pPr lvl="0"/>
             <a:r>
-              <a:rPr lang="en-GB" dirty="0" smtClean="0"/>
-              <a:t>Focused </a:t>
-            </a:r>
-            <a:r>
-              <a:rPr lang="en-GB" dirty="0"/>
-              <a:t>budget friendly accommodation options</a:t>
-            </a:r>
-            <a:r>
-              <a:rPr lang="en-GB" dirty="0" smtClean="0"/>
-              <a:t>.</a:t>
+              <a:rPr lang="en-GB" dirty="0"/>
+              <a:t>Focused budget friendly accommodation options.</a:t>
             </a:r>
           </a:p>
           <a:p>
@@ -4441,31 +4377,19 @@
           <a:p>
             <a:pPr lvl="0"/>
             <a:r>
-              <a:rPr lang="en-GB" dirty="0" smtClean="0"/>
-              <a:t>Allows users </a:t>
-            </a:r>
-            <a:r>
-              <a:rPr lang="en-GB" dirty="0"/>
-              <a:t>to seek partners/housemates for their </a:t>
-            </a:r>
-            <a:r>
-              <a:rPr lang="en-GB" dirty="0" smtClean="0"/>
-              <a:t>properties</a:t>
+              <a:rPr lang="en-GB" dirty="0"/>
+              <a:t>Allows users to seek partners/housemates for their properties</a:t>
             </a:r>
           </a:p>
           <a:p>
             <a:pPr lvl="0"/>
-            <a:endParaRPr lang="en-GB" dirty="0" smtClean="0"/>
+            <a:endParaRPr lang="en-GB" dirty="0"/>
           </a:p>
           <a:p>
             <a:pPr lvl="0"/>
             <a:r>
-              <a:rPr lang="en-GB" dirty="0" smtClean="0"/>
-              <a:t>View </a:t>
-            </a:r>
-            <a:r>
-              <a:rPr lang="en-GB" dirty="0"/>
-              <a:t>and contact sellers who display second hand items for sale on the website.</a:t>
+              <a:rPr lang="en-GB" dirty="0"/>
+              <a:t>View and contact sellers who display second hand items for sale on the website.</a:t>
             </a:r>
             <a:endParaRPr lang="en-AU" dirty="0"/>
           </a:p>
@@ -4527,10 +4451,9 @@
           <a:lstStyle/>
           <a:p>
             <a:r>
-              <a:rPr lang="en-AU" dirty="0" smtClean="0"/>
+              <a:rPr lang="en-AU" dirty="0"/>
               <a:t>TARGET USERS</a:t>
             </a:r>
-            <a:endParaRPr lang="en-AU" dirty="0"/>
           </a:p>
         </p:txBody>
       </p:sp>
@@ -4553,11 +4476,7 @@
           <a:p>
             <a:r>
               <a:rPr lang="en-GB" sz="2400" b="1" dirty="0"/>
-              <a:t>Primary </a:t>
-            </a:r>
-            <a:r>
-              <a:rPr lang="en-GB" sz="2400" b="1" dirty="0" smtClean="0"/>
-              <a:t>users</a:t>
+              <a:t>Primary users</a:t>
             </a:r>
           </a:p>
           <a:p>
@@ -4566,97 +4485,65 @@
           <a:p>
             <a:pPr lvl="1"/>
             <a:r>
-              <a:rPr lang="en-GB" dirty="0" smtClean="0"/>
-              <a:t>Students </a:t>
-            </a:r>
-            <a:r>
-              <a:rPr lang="en-GB" dirty="0"/>
-              <a:t>-Individuals or Families (above 16 </a:t>
-            </a:r>
-            <a:r>
-              <a:rPr lang="en-GB" dirty="0" smtClean="0"/>
-              <a:t>)</a:t>
+              <a:rPr lang="en-GB" dirty="0"/>
+              <a:t>Students -Individuals or Families (above 16 )</a:t>
             </a:r>
           </a:p>
           <a:p>
             <a:pPr lvl="1"/>
-            <a:endParaRPr lang="en-GB" dirty="0" smtClean="0"/>
+            <a:endParaRPr lang="en-GB" dirty="0"/>
           </a:p>
           <a:p>
             <a:pPr lvl="1"/>
             <a:r>
-              <a:rPr lang="en-GB" dirty="0" smtClean="0"/>
+              <a:rPr lang="en-GB" dirty="0"/>
               <a:t>User Characteristics:</a:t>
             </a:r>
           </a:p>
           <a:p>
             <a:pPr lvl="2"/>
             <a:r>
-              <a:rPr lang="en-AU" dirty="0" smtClean="0"/>
-              <a:t>Age </a:t>
-            </a:r>
-            <a:r>
               <a:rPr lang="en-AU" dirty="0"/>
-              <a:t>and gender: above 16 male and female</a:t>
+              <a:t>Age and gender: above 16 male and female</a:t>
             </a:r>
           </a:p>
           <a:p>
             <a:pPr lvl="2"/>
             <a:r>
-              <a:rPr lang="en-AU" dirty="0" smtClean="0"/>
-              <a:t>Education</a:t>
-            </a:r>
-            <a:r>
               <a:rPr lang="en-AU" dirty="0"/>
-              <a:t>: Secondary school or higher</a:t>
+              <a:t>Education: Secondary school or higher</a:t>
             </a:r>
           </a:p>
           <a:p>
             <a:pPr lvl="2"/>
             <a:r>
-              <a:rPr lang="en-AU" dirty="0" smtClean="0"/>
-              <a:t>Income- </a:t>
-            </a:r>
-            <a:r>
               <a:rPr lang="en-AU" dirty="0"/>
-              <a:t>4 week’s rental bank balance</a:t>
+              <a:t>Income- 4 week’s rental bank balance</a:t>
             </a:r>
           </a:p>
           <a:p>
             <a:pPr lvl="2"/>
-            <a:endParaRPr lang="en-AU" dirty="0" smtClean="0"/>
+            <a:endParaRPr lang="en-AU" dirty="0"/>
           </a:p>
           <a:p>
             <a:pPr marL="114300" indent="0">
               <a:buNone/>
             </a:pPr>
             <a:r>
-              <a:rPr lang="en-GB" dirty="0" smtClean="0"/>
+              <a:rPr lang="en-GB" dirty="0"/>
               <a:t> </a:t>
             </a:r>
             <a:r>
-              <a:rPr lang="en-GB" sz="2400" b="1" dirty="0" smtClean="0"/>
-              <a:t>Secondary </a:t>
-            </a:r>
-            <a:r>
               <a:rPr lang="en-GB" sz="2400" b="1" dirty="0"/>
-              <a:t>users</a:t>
+              <a:t>Secondary users</a:t>
             </a:r>
             <a:endParaRPr lang="en-AU" sz="2400" b="1" dirty="0"/>
           </a:p>
           <a:p>
             <a:pPr lvl="1"/>
             <a:r>
-              <a:rPr lang="en-GB" dirty="0" smtClean="0"/>
-              <a:t>Agent </a:t>
-            </a:r>
-            <a:r>
-              <a:rPr lang="en-GB" dirty="0"/>
-              <a:t>(Accommodation providers</a:t>
-            </a:r>
-            <a:r>
-              <a:rPr lang="en-GB" dirty="0" smtClean="0"/>
-              <a:t>)</a:t>
+              <a:rPr lang="en-GB" dirty="0"/>
+              <a:t>Agent (Accommodation providers)</a:t>
             </a:r>
           </a:p>
           <a:p>
@@ -4666,16 +4553,8 @@
           <a:p>
             <a:pPr lvl="1"/>
             <a:r>
-              <a:rPr lang="en-GB" dirty="0" smtClean="0"/>
-              <a:t>Second </a:t>
-            </a:r>
-            <a:r>
-              <a:rPr lang="en-GB" dirty="0"/>
-              <a:t>Hand items/appliance </a:t>
-            </a:r>
-            <a:r>
-              <a:rPr lang="en-GB" dirty="0" smtClean="0"/>
-              <a:t>Resellers</a:t>
+              <a:rPr lang="en-GB" dirty="0"/>
+              <a:t>Second Hand items/appliance Resellers</a:t>
             </a:r>
           </a:p>
           <a:p>
@@ -4685,12 +4564,8 @@
           <a:p>
             <a:pPr lvl="1"/>
             <a:r>
-              <a:rPr lang="en-GB" dirty="0" smtClean="0"/>
-              <a:t>Individuals </a:t>
-            </a:r>
-            <a:r>
-              <a:rPr lang="en-GB" dirty="0"/>
-              <a:t>seeking roommates/partners for accommodation</a:t>
+              <a:rPr lang="en-GB" dirty="0"/>
+              <a:t>Individuals seeking roommates/partners for accommodation</a:t>
             </a:r>
             <a:endParaRPr lang="en-AU" dirty="0"/>
           </a:p>
@@ -4752,10 +4627,9 @@
           <a:lstStyle/>
           <a:p>
             <a:r>
-              <a:rPr lang="en-AU" dirty="0" smtClean="0"/>
+              <a:rPr lang="en-AU" dirty="0"/>
               <a:t>FEATURES</a:t>
             </a:r>
-            <a:endParaRPr lang="en-AU" dirty="0"/>
           </a:p>
         </p:txBody>
       </p:sp>
@@ -4778,35 +4652,19 @@
           <a:p>
             <a:pPr lvl="0"/>
             <a:r>
-              <a:rPr lang="en-GB" dirty="0" smtClean="0"/>
-              <a:t>Responsive rental </a:t>
-            </a:r>
-            <a:r>
-              <a:rPr lang="en-GB" dirty="0"/>
-              <a:t>website accessible online on any </a:t>
-            </a:r>
-            <a:r>
-              <a:rPr lang="en-GB" dirty="0" smtClean="0"/>
-              <a:t>device</a:t>
+              <a:rPr lang="en-GB" dirty="0"/>
+              <a:t>Responsive rental website accessible online on any device</a:t>
             </a:r>
           </a:p>
           <a:p>
             <a:pPr lvl="0"/>
-            <a:endParaRPr lang="en-GB" dirty="0" smtClean="0"/>
+            <a:endParaRPr lang="en-GB" dirty="0"/>
           </a:p>
           <a:p>
             <a:pPr lvl="0"/>
             <a:r>
-              <a:rPr lang="en-GB" dirty="0" smtClean="0"/>
-              <a:t>Display </a:t>
-            </a:r>
-            <a:r>
-              <a:rPr lang="en-GB" dirty="0"/>
-              <a:t>range of rental options including </a:t>
-            </a:r>
-            <a:r>
-              <a:rPr lang="en-GB" dirty="0" smtClean="0"/>
-              <a:t>homestay</a:t>
+              <a:rPr lang="en-GB" dirty="0"/>
+              <a:t>Display range of rental options including homestay</a:t>
             </a:r>
           </a:p>
           <a:p>
@@ -4817,11 +4675,7 @@
             <a:pPr lvl="0"/>
             <a:r>
               <a:rPr lang="en-GB" dirty="0"/>
-              <a:t>Communication Bar for user communication or </a:t>
-            </a:r>
-            <a:r>
-              <a:rPr lang="en-GB" dirty="0" smtClean="0"/>
-              <a:t>forums</a:t>
+              <a:t>Communication Bar for user communication or forums</a:t>
             </a:r>
           </a:p>
           <a:p>
@@ -4839,28 +4693,16 @@
           <a:p>
             <a:pPr lvl="1"/>
             <a:r>
-              <a:rPr lang="en-GB" dirty="0" smtClean="0"/>
-              <a:t>Enable </a:t>
-            </a:r>
-            <a:r>
-              <a:rPr lang="en-GB" dirty="0"/>
-              <a:t>Students to seek for house mate or second hand items available for resale.</a:t>
+              <a:rPr lang="en-GB" dirty="0"/>
+              <a:t>Enable Students to seek for house mate or second hand items available for resale.</a:t>
             </a:r>
             <a:endParaRPr lang="en-AU" dirty="0"/>
           </a:p>
           <a:p>
             <a:pPr lvl="1"/>
             <a:r>
-              <a:rPr lang="en-GB" dirty="0" smtClean="0"/>
-              <a:t>Provide </a:t>
-            </a:r>
-            <a:r>
-              <a:rPr lang="en-GB" dirty="0"/>
-              <a:t>accommodation by area, </a:t>
-            </a:r>
-            <a:r>
-              <a:rPr lang="en-GB" dirty="0" smtClean="0"/>
-              <a:t>suburb</a:t>
+              <a:rPr lang="en-GB" dirty="0"/>
+              <a:t>Provide accommodation by area, suburb</a:t>
             </a:r>
           </a:p>
           <a:p>
@@ -4871,11 +4713,7 @@
             <a:pPr lvl="0"/>
             <a:r>
               <a:rPr lang="en-GB" dirty="0"/>
-              <a:t>Proper navigation assistance for </a:t>
-            </a:r>
-            <a:r>
-              <a:rPr lang="en-GB" dirty="0" smtClean="0"/>
-              <a:t>users</a:t>
+              <a:t>Proper navigation assistance for users</a:t>
             </a:r>
           </a:p>
           <a:p>
@@ -4888,7 +4726,6 @@
               <a:rPr lang="en-GB" dirty="0"/>
               <a:t>Simple and easy to use page layout </a:t>
             </a:r>
-            <a:endParaRPr lang="en-GB" dirty="0" smtClean="0"/>
           </a:p>
           <a:p>
             <a:pPr lvl="0"/>
@@ -4900,7 +4737,6 @@
               <a:rPr lang="en-GB" dirty="0"/>
               <a:t>Clear contact details </a:t>
             </a:r>
-            <a:endParaRPr lang="en-GB" dirty="0" smtClean="0"/>
           </a:p>
           <a:p>
             <a:pPr marL="114300" lvl="0" indent="0">
@@ -4982,15 +4818,70 @@
         <p:spPr/>
         <p:txBody>
           <a:bodyPr>
-            <a:normAutofit/>
+            <a:normAutofit fontScale="92500" lnSpcReduction="10000"/>
           </a:bodyPr>
           <a:lstStyle/>
           <a:p>
             <a:pPr lvl="0"/>
             <a:r>
               <a:rPr lang="en-GB" sz="2400" dirty="0"/>
-              <a:t>Usage of colour, font, text, image</a:t>
-            </a:r>
+              <a:t>Usage of colour, font, text, </a:t>
+            </a:r>
+            <a:r>
+              <a:rPr lang="en-GB" sz="2400" dirty="0" smtClean="0"/>
+              <a:t>image</a:t>
+            </a:r>
+          </a:p>
+          <a:p>
+            <a:pPr marL="411480" lvl="1" indent="0">
+              <a:buNone/>
+            </a:pPr>
+            <a:r>
+              <a:rPr lang="en-AU" sz="2400" dirty="0" smtClean="0"/>
+              <a:t>Background-</a:t>
+            </a:r>
+            <a:r>
+              <a:rPr lang="en-AU" sz="2400" dirty="0" err="1" smtClean="0"/>
+              <a:t>Color</a:t>
+            </a:r>
+            <a:r>
+              <a:rPr lang="en-AU" sz="2400" dirty="0"/>
+              <a:t>:#1676BC;</a:t>
+            </a:r>
+          </a:p>
+          <a:p>
+            <a:pPr marL="114300" lvl="0" indent="0">
+              <a:buNone/>
+            </a:pPr>
+            <a:r>
+              <a:rPr lang="en-AU" sz="2400" dirty="0"/>
+              <a:t> </a:t>
+            </a:r>
+            <a:r>
+              <a:rPr lang="en-AU" sz="2400" dirty="0" smtClean="0"/>
+              <a:t>  		</a:t>
+            </a:r>
+            <a:r>
+              <a:rPr lang="en-AU" sz="2400" dirty="0" err="1"/>
+              <a:t>C</a:t>
+            </a:r>
+            <a:r>
+              <a:rPr lang="en-AU" sz="2400" dirty="0" err="1" smtClean="0"/>
+              <a:t>olor</a:t>
+            </a:r>
+            <a:r>
+              <a:rPr lang="en-AU" sz="2400" dirty="0" smtClean="0"/>
+              <a:t>: white</a:t>
+            </a:r>
+            <a:r>
+              <a:rPr lang="en-AU" sz="2800" dirty="0" smtClean="0"/>
+              <a:t>;</a:t>
+            </a:r>
+          </a:p>
+          <a:p>
+            <a:pPr marL="114300" lvl="0" indent="0">
+              <a:buNone/>
+            </a:pPr>
             <a:endParaRPr lang="en-AU" sz="2800" dirty="0"/>
           </a:p>
           <a:p>
@@ -5009,68 +4900,68 @@
             <a:endParaRPr lang="en-AU" sz="2800" dirty="0"/>
           </a:p>
           <a:p>
-            <a:pPr lvl="0"/>
-            <a:r>
-              <a:rPr lang="en-GB" sz="2400" dirty="0"/>
+            <a:pPr lvl="1"/>
+            <a:r>
+              <a:rPr lang="en-GB" dirty="0"/>
               <a:t>Rental properties</a:t>
             </a:r>
-            <a:endParaRPr lang="en-AU" sz="2800" dirty="0"/>
-          </a:p>
-          <a:p>
-            <a:pPr lvl="1"/>
+            <a:endParaRPr lang="en-AU" sz="2600" dirty="0"/>
+          </a:p>
+          <a:p>
+            <a:pPr lvl="2"/>
             <a:r>
               <a:rPr lang="en-GB" dirty="0"/>
               <a:t>Villa</a:t>
             </a:r>
-            <a:endParaRPr lang="en-AU" sz="2400" dirty="0"/>
-          </a:p>
-          <a:p>
-            <a:pPr lvl="1"/>
+            <a:endParaRPr lang="en-AU" sz="2200" dirty="0"/>
+          </a:p>
+          <a:p>
+            <a:pPr lvl="2"/>
             <a:r>
               <a:rPr lang="en-GB" dirty="0"/>
               <a:t>Apartment</a:t>
             </a:r>
-            <a:endParaRPr lang="en-AU" sz="2400" dirty="0"/>
-          </a:p>
-          <a:p>
-            <a:pPr lvl="1"/>
+            <a:endParaRPr lang="en-AU" sz="2200" dirty="0"/>
+          </a:p>
+          <a:p>
+            <a:pPr lvl="2"/>
             <a:r>
               <a:rPr lang="en-GB" dirty="0" err="1"/>
               <a:t>Sharehouse</a:t>
             </a:r>
-            <a:endParaRPr lang="en-AU" sz="2400" dirty="0"/>
+            <a:endParaRPr lang="en-AU" sz="2200" dirty="0"/>
+          </a:p>
+          <a:p>
+            <a:pPr lvl="2"/>
+            <a:r>
+              <a:rPr lang="en-GB" dirty="0"/>
+              <a:t>Townhouse</a:t>
+            </a:r>
+            <a:endParaRPr lang="en-AU" sz="2200" dirty="0"/>
           </a:p>
           <a:p>
             <a:pPr lvl="1"/>
             <a:r>
               <a:rPr lang="en-GB" dirty="0"/>
-              <a:t>Townhouse</a:t>
-            </a:r>
-            <a:endParaRPr lang="en-AU" sz="2400" dirty="0"/>
-          </a:p>
-          <a:p>
-            <a:pPr lvl="0"/>
-            <a:r>
-              <a:rPr lang="en-GB" sz="2400" dirty="0"/>
               <a:t>Home Stay </a:t>
             </a:r>
-            <a:endParaRPr lang="en-AU" sz="2800" dirty="0"/>
-          </a:p>
-          <a:p>
-            <a:pPr lvl="0"/>
-            <a:r>
-              <a:rPr lang="en-GB" sz="2400" dirty="0"/>
+            <a:endParaRPr lang="en-AU" sz="2600" dirty="0"/>
+          </a:p>
+          <a:p>
+            <a:pPr lvl="1"/>
+            <a:r>
+              <a:rPr lang="en-GB" dirty="0"/>
               <a:t>Second Hand Items Appliance resales</a:t>
             </a:r>
-            <a:endParaRPr lang="en-AU" sz="2400" dirty="0"/>
-          </a:p>
-          <a:p>
-            <a:pPr lvl="0"/>
-            <a:r>
-              <a:rPr lang="en-GB" sz="2400" dirty="0"/>
+            <a:endParaRPr lang="en-AU" dirty="0"/>
+          </a:p>
+          <a:p>
+            <a:pPr lvl="1"/>
+            <a:r>
+              <a:rPr lang="en-GB" dirty="0"/>
               <a:t>Logos etc.</a:t>
             </a:r>
-            <a:endParaRPr lang="en-AU" sz="2400" dirty="0"/>
+            <a:endParaRPr lang="en-AU" dirty="0"/>
           </a:p>
           <a:p>
             <a:pPr marL="114300" indent="0">
@@ -5134,10 +5025,9 @@
           <a:p>
             <a:pPr algn="ctr"/>
             <a:r>
-              <a:rPr lang="en-AU" sz="4400" dirty="0" smtClean="0"/>
+              <a:rPr lang="en-AU" sz="4400" dirty="0"/>
               <a:t>INFORMATION ARCHITECTURE AND NAVIGATION SYSTEMS</a:t>
             </a:r>
-            <a:endParaRPr lang="en-AU" sz="4400" dirty="0"/>
           </a:p>
         </p:txBody>
       </p:sp>
@@ -5157,7 +5047,7 @@
           <a:lstStyle/>
           <a:p>
             <a:r>
-              <a:rPr lang="en-GB" dirty="0" smtClean="0"/>
+              <a:rPr lang="en-GB" dirty="0"/>
               <a:t>Breadcrumbs</a:t>
             </a:r>
           </a:p>
@@ -5167,11 +5057,7 @@
           <a:p>
             <a:r>
               <a:rPr lang="en-GB" dirty="0"/>
-              <a:t>Page </a:t>
-            </a:r>
-            <a:r>
-              <a:rPr lang="en-GB" dirty="0" smtClean="0"/>
-              <a:t>Titles</a:t>
+              <a:t>Page Titles</a:t>
             </a:r>
           </a:p>
           <a:p>
@@ -5180,11 +5066,7 @@
           <a:p>
             <a:r>
               <a:rPr lang="en-GB" dirty="0"/>
-              <a:t>Highlighted </a:t>
-            </a:r>
-            <a:r>
-              <a:rPr lang="en-GB" dirty="0" smtClean="0"/>
-              <a:t>Tabs</a:t>
+              <a:t>Highlighted Tabs</a:t>
             </a:r>
           </a:p>
           <a:p>
@@ -5193,11 +5075,7 @@
           <a:p>
             <a:r>
               <a:rPr lang="en-GB" dirty="0"/>
-              <a:t>Search </a:t>
-            </a:r>
-            <a:r>
-              <a:rPr lang="en-GB" dirty="0" smtClean="0"/>
-              <a:t>Icon</a:t>
+              <a:t>Search Icon</a:t>
             </a:r>
           </a:p>
           <a:p>
@@ -5206,11 +5084,7 @@
           <a:p>
             <a:r>
               <a:rPr lang="en-GB" dirty="0"/>
-              <a:t>Global/Local Navigation </a:t>
-            </a:r>
-            <a:r>
-              <a:rPr lang="en-GB" dirty="0" smtClean="0"/>
-              <a:t>Bars</a:t>
+              <a:t>Global/Local Navigation Bars</a:t>
             </a:r>
           </a:p>
           <a:p>
@@ -5281,10 +5155,9 @@
           <a:lstStyle/>
           <a:p>
             <a:r>
-              <a:rPr lang="en-AU" dirty="0" smtClean="0"/>
+              <a:rPr lang="en-AU" dirty="0"/>
               <a:t>TECHNOLOGIES</a:t>
             </a:r>
-            <a:endParaRPr lang="en-AU" dirty="0"/>
           </a:p>
         </p:txBody>
       </p:sp>
